--- a/docs/Integradora/InventoryMaster [Autoguardado].pptx
+++ b/docs/Integradora/InventoryMaster [Autoguardado].pptx
@@ -13024,40 +13024,71 @@
           <a:chExt cx="0" cy="0"/>
         </a:xfrm>
       </p:grpSpPr>
-      <p:sp>
-        <p:nvSpPr>
-          <p:cNvPr id="7" name="CuadroTexto 6"/>
-          <p:cNvSpPr txBox="1"/>
+      <p:pic>
+        <p:nvPicPr>
+          <p:cNvPr id="1026" name="Picture 2" descr="https://scontent-dft4-2.xx.fbcdn.net/v/t34.0-12/16344273_1426036777430067_709513217_n.png?oh=6b5ca1e90b1cbc61b0dec8edc2331da2&amp;oe=588B8956"/>
+          <p:cNvPicPr>
+            <a:picLocks noChangeAspect="1" noChangeArrowheads="1"/>
+          </p:cNvPicPr>
           <p:nvPr/>
-        </p:nvSpPr>
-        <p:spPr>
+        </p:nvPicPr>
+        <p:blipFill>
+          <a:blip r:embed="rId2">
+            <a:extLst>
+              <a:ext uri="{28A0092B-C50C-407E-A947-70E740481C1C}">
+                <a14:useLocalDpi xmlns:a14="http://schemas.microsoft.com/office/drawing/2010/main" val="0"/>
+              </a:ext>
+            </a:extLst>
+          </a:blip>
+          <a:srcRect/>
+          <a:stretch>
+            <a:fillRect/>
+          </a:stretch>
+        </p:blipFill>
+        <p:spPr bwMode="auto">
           <a:xfrm>
-            <a:off x="2058179" y="308698"/>
-            <a:ext cx="7718612" cy="769441"/>
+            <a:off x="3922644" y="0"/>
+            <a:ext cx="7076660" cy="6858000"/>
           </a:xfrm>
           <a:prstGeom prst="rect">
             <a:avLst/>
           </a:prstGeom>
           <a:noFill/>
+          <a:extLst>
+            <a:ext uri="{909E8E84-426E-40DD-AFC4-6F175D3DCCD1}">
+              <a14:hiddenFill xmlns:a14="http://schemas.microsoft.com/office/drawing/2010/main">
+                <a:solidFill>
+                  <a:srgbClr val="FFFFFF"/>
+                </a:solidFill>
+              </a14:hiddenFill>
+            </a:ext>
+          </a:extLst>
         </p:spPr>
+      </p:pic>
+      <p:sp>
+        <p:nvSpPr>
+          <p:cNvPr id="2" name="Título 1"/>
+          <p:cNvSpPr>
+            <a:spLocks noGrp="1"/>
+          </p:cNvSpPr>
+          <p:nvPr>
+            <p:ph type="title"/>
+          </p:nvPr>
+        </p:nvSpPr>
+        <p:spPr/>
         <p:txBody>
-          <a:bodyPr wrap="square" rtlCol="0">
-            <a:spAutoFit/>
-          </a:bodyPr>
+          <a:bodyPr/>
           <a:lstStyle/>
           <a:p>
             <a:pPr algn="ctr"/>
             <a:r>
-              <a:rPr lang="es-MX" sz="4400" b="1" dirty="0">
+              <a:rPr lang="es-MX" b="1" dirty="0">
                 <a:ln w="6600">
                   <a:solidFill>
                     <a:schemeClr val="accent2"/>
                   </a:solidFill>
                   <a:prstDash val="solid"/>
                 </a:ln>
-                <a:solidFill>
-                  <a:srgbClr val="FFFFFF"/>
-                </a:solidFill>
                 <a:effectLst>
                   <a:outerShdw dist="38100" dir="2700000" algn="tl" rotWithShape="0">
                     <a:schemeClr val="accent2"/>
@@ -13066,6 +13097,22 @@
               </a:rPr>
               <a:t>Grafica de Gantt </a:t>
             </a:r>
+            <a:br>
+              <a:rPr lang="es-MX" b="1" dirty="0">
+                <a:ln w="6600">
+                  <a:solidFill>
+                    <a:schemeClr val="accent2"/>
+                  </a:solidFill>
+                  <a:prstDash val="solid"/>
+                </a:ln>
+                <a:effectLst>
+                  <a:outerShdw dist="38100" dir="2700000" algn="tl" rotWithShape="0">
+                    <a:schemeClr val="accent2"/>
+                  </a:outerShdw>
+                </a:effectLst>
+              </a:rPr>
+            </a:br>
+            <a:endParaRPr lang="es-MX" dirty="0"/>
           </a:p>
         </p:txBody>
       </p:sp>
@@ -13351,13 +13398,13 @@
   <p:clrMapOvr>
     <a:masterClrMapping/>
   </p:clrMapOvr>
-  <mc:AlternateContent xmlns:mc="http://schemas.openxmlformats.org/markup-compatibility/2006">
-    <mc:Choice xmlns:p14="http://schemas.microsoft.com/office/powerpoint/2010/main" Requires="p14">
+  <mc:AlternateContent xmlns:mc="http://schemas.openxmlformats.org/markup-compatibility/2006" xmlns:p14="http://schemas.microsoft.com/office/powerpoint/2010/main">
+    <mc:Choice Requires="p14">
       <p:transition spd="slow" p14:dur="1250">
         <p14:flip dir="r"/>
       </p:transition>
     </mc:Choice>
-    <mc:Fallback>
+    <mc:Fallback xmlns="">
       <p:transition spd="slow">
         <p:fade/>
       </p:transition>

--- a/docs/Integradora/InventoryMaster [Autoguardado].pptx
+++ b/docs/Integradora/InventoryMaster [Autoguardado].pptx
@@ -14661,14 +14661,14 @@
           <p:nvPr>
             <p:extLst>
               <p:ext uri="{D42A27DB-BD31-4B8C-83A1-F6EECF244321}">
-                <p14:modId xmlns:p14="http://schemas.microsoft.com/office/powerpoint/2010/main" val="269601658"/>
+                <p14:modId xmlns:p14="http://schemas.microsoft.com/office/powerpoint/2010/main" val="3457529418"/>
               </p:ext>
             </p:extLst>
           </p:nvPr>
         </p:nvGraphicFramePr>
         <p:xfrm>
           <a:off x="184620" y="916913"/>
-          <a:ext cx="11781183" cy="5414677"/>
+          <a:ext cx="11781183" cy="5446713"/>
         </p:xfrm>
         <a:graphic>
           <a:graphicData uri="http://schemas.openxmlformats.org/drawingml/2006/table">
@@ -15729,7 +15729,7 @@
                         <a:rPr lang="es-MX" sz="1800" b="1" dirty="0">
                           <a:effectLst/>
                         </a:rPr>
-                        <a:t> $15,000 dólares </a:t>
+                        <a:t> $10,000 dólares </a:t>
                       </a:r>
                     </a:p>
                   </a:txBody>
@@ -16406,7 +16406,7 @@
                           <a:ea typeface="Malgun Gothic" panose="020B0503020000020004" pitchFamily="34" charset="-127"/>
                           <a:cs typeface="Arial" panose="020B0604020202020204" pitchFamily="34" charset="0"/>
                         </a:rPr>
-                        <a:t>$10,000 dólares</a:t>
+                        <a:t>$8,000 dólares</a:t>
                       </a:r>
                     </a:p>
                   </a:txBody>

--- a/docs/Integradora/InventoryMaster [Autoguardado].pptx
+++ b/docs/Integradora/InventoryMaster [Autoguardado].pptx
@@ -13223,6 +13223,70 @@
               </a:rPr>
               <a:t>Bitácora: </a:t>
             </a:r>
+            <a:r>
+              <a:rPr lang="es-MX" sz="2800" dirty="0">
+                <a:ln w="0"/>
+                <a:solidFill>
+                  <a:schemeClr val="tx1"/>
+                </a:solidFill>
+                <a:effectLst>
+                  <a:outerShdw blurRad="38100" dist="19050" dir="2700000" algn="tl" rotWithShape="0">
+                    <a:schemeClr val="dk1">
+                      <a:alpha val="40000"/>
+                    </a:schemeClr>
+                  </a:outerShdw>
+                </a:effectLst>
+                <a:hlinkClick r:id="rId2" action="ppaction://hlinkfile"/>
+              </a:rPr>
+              <a:t>Inventory master </a:t>
+            </a:r>
+            <a:r>
+              <a:rPr lang="es-MX" sz="2800" dirty="0" err="1">
+                <a:ln w="0"/>
+                <a:solidFill>
+                  <a:schemeClr val="tx1"/>
+                </a:solidFill>
+                <a:effectLst>
+                  <a:outerShdw blurRad="38100" dist="19050" dir="2700000" algn="tl" rotWithShape="0">
+                    <a:schemeClr val="dk1">
+                      <a:alpha val="40000"/>
+                    </a:schemeClr>
+                  </a:outerShdw>
+                </a:effectLst>
+                <a:hlinkClick r:id="rId2" action="ppaction://hlinkfile"/>
+              </a:rPr>
+              <a:t>Bitacora</a:t>
+            </a:r>
+            <a:r>
+              <a:rPr lang="es-MX" sz="2800" dirty="0">
+                <a:ln w="0"/>
+                <a:solidFill>
+                  <a:schemeClr val="tx1"/>
+                </a:solidFill>
+                <a:effectLst>
+                  <a:outerShdw blurRad="38100" dist="19050" dir="2700000" algn="tl" rotWithShape="0">
+                    <a:schemeClr val="dk1">
+                      <a:alpha val="40000"/>
+                    </a:schemeClr>
+                  </a:outerShdw>
+                </a:effectLst>
+                <a:hlinkClick r:id="rId2" action="ppaction://hlinkfile"/>
+              </a:rPr>
+              <a:t> Septiembre - Diciembre.docx</a:t>
+            </a:r>
+            <a:endParaRPr lang="es-MX" sz="2800" dirty="0">
+              <a:ln w="0"/>
+              <a:solidFill>
+                <a:schemeClr val="tx1"/>
+              </a:solidFill>
+              <a:effectLst>
+                <a:outerShdw blurRad="38100" dist="19050" dir="2700000" algn="tl" rotWithShape="0">
+                  <a:schemeClr val="dk1">
+                    <a:alpha val="40000"/>
+                  </a:schemeClr>
+                </a:outerShdw>
+              </a:effectLst>
+            </a:endParaRPr>
           </a:p>
           <a:p>
             <a:r>
@@ -13272,7 +13336,7 @@
                     </a:schemeClr>
                   </a:outerShdw>
                 </a:effectLst>
-                <a:hlinkClick r:id="rId2" action="ppaction://hlinkfile"/>
+                <a:hlinkClick r:id="rId3" action="ppaction://hlinkfile"/>
               </a:rPr>
               <a:t>Minuta.docx</a:t>
             </a:r>
@@ -13320,7 +13384,7 @@
                     </a:schemeClr>
                   </a:outerShdw>
                 </a:effectLst>
-                <a:hlinkClick r:id="rId3" action="ppaction://hlinkfile"/>
+                <a:hlinkClick r:id="rId4" action="ppaction://hlinkfile"/>
               </a:rPr>
               <a:t>Tabla de Riesgos.docx</a:t>
             </a:r>
@@ -13368,7 +13432,7 @@
                     </a:schemeClr>
                   </a:outerShdw>
                 </a:effectLst>
-                <a:hlinkClick r:id="rId4" action="ppaction://hlinkfile"/>
+                <a:hlinkClick r:id="rId5" action="ppaction://hlinkfile"/>
               </a:rPr>
               <a:t>Acta de Inicio.docx</a:t>
             </a:r>
